--- a/docs/JavaCore-vi-v2.pptx
+++ b/docs/JavaCore-vi-v2.pptx
@@ -14,8 +14,8 @@
     <p:sldId id="263" r:id="rId5"/>
     <p:sldId id="304" r:id="rId6"/>
     <p:sldId id="264" r:id="rId7"/>
-    <p:sldId id="265" r:id="rId8"/>
-    <p:sldId id="266" r:id="rId9"/>
+    <p:sldId id="266" r:id="rId8"/>
+    <p:sldId id="265" r:id="rId9"/>
     <p:sldId id="268" r:id="rId10"/>
     <p:sldId id="269" r:id="rId11"/>
     <p:sldId id="290" r:id="rId12"/>
@@ -74,19 +74,19 @@
   <p:notesSz cx="6858000" cy="9144000"/>
   <p:embeddedFontLst>
     <p:embeddedFont>
-      <p:font typeface="Calibri" panose="020F0502020204030204" pitchFamily="34" charset="0"/>
+      <p:font typeface="Tahoma" panose="020B0604030504040204" pitchFamily="34" charset="0"/>
       <p:regular r:id="rId64"/>
       <p:bold r:id="rId65"/>
-      <p:italic r:id="rId66"/>
-      <p:boldItalic r:id="rId67"/>
-    </p:embeddedFont>
-    <p:embeddedFont>
-      <p:font typeface="Tahoma" panose="020B0604030504040204" pitchFamily="34" charset="0"/>
-      <p:regular r:id="rId68"/>
-      <p:bold r:id="rId69"/>
     </p:embeddedFont>
     <p:embeddedFont>
       <p:font typeface="Cambria" panose="02040503050406030204" pitchFamily="18" charset="0"/>
+      <p:regular r:id="rId66"/>
+      <p:bold r:id="rId67"/>
+      <p:italic r:id="rId68"/>
+      <p:boldItalic r:id="rId69"/>
+    </p:embeddedFont>
+    <p:embeddedFont>
+      <p:font typeface="Calibri" panose="020F0502020204030204" pitchFamily="34" charset="0"/>
       <p:regular r:id="rId70"/>
       <p:bold r:id="rId71"/>
       <p:italic r:id="rId72"/>
@@ -16965,7 +16965,40 @@
                 <a:ea typeface="Cambria" panose="02040503050406030204" pitchFamily="18" charset="0"/>
                 <a:cs typeface="Tahoma" pitchFamily="34" charset="0"/>
               </a:rPr>
-              <a:t>Teacher with state is name, age, subject and the behavior is teaching</a:t>
+              <a:t>Teacher with state is </a:t>
+            </a:r>
+            <a:r>
+              <a:rPr lang="en-US" sz="1500" b="1" dirty="0" smtClean="0">
+                <a:solidFill>
+                  <a:schemeClr val="tx1"/>
+                </a:solidFill>
+                <a:latin typeface="Cambria" panose="02040503050406030204" pitchFamily="18" charset="0"/>
+                <a:ea typeface="Cambria" panose="02040503050406030204" pitchFamily="18" charset="0"/>
+                <a:cs typeface="Tahoma" pitchFamily="34" charset="0"/>
+              </a:rPr>
+              <a:t>name, age, subject </a:t>
+            </a:r>
+            <a:r>
+              <a:rPr lang="en-US" sz="1500" dirty="0" smtClean="0">
+                <a:solidFill>
+                  <a:schemeClr val="tx1"/>
+                </a:solidFill>
+                <a:latin typeface="Cambria" panose="02040503050406030204" pitchFamily="18" charset="0"/>
+                <a:ea typeface="Cambria" panose="02040503050406030204" pitchFamily="18" charset="0"/>
+                <a:cs typeface="Tahoma" pitchFamily="34" charset="0"/>
+              </a:rPr>
+              <a:t>and the behavior is </a:t>
+            </a:r>
+            <a:r>
+              <a:rPr lang="en-US" sz="1500" b="1" dirty="0" smtClean="0">
+                <a:solidFill>
+                  <a:schemeClr val="tx1"/>
+                </a:solidFill>
+                <a:latin typeface="Cambria" panose="02040503050406030204" pitchFamily="18" charset="0"/>
+                <a:ea typeface="Cambria" panose="02040503050406030204" pitchFamily="18" charset="0"/>
+                <a:cs typeface="Tahoma" pitchFamily="34" charset="0"/>
+              </a:rPr>
+              <a:t>teaching</a:t>
             </a:r>
           </a:p>
           <a:p>
@@ -16979,10 +17012,10 @@
                 <a:ea typeface="Cambria" panose="02040503050406030204" pitchFamily="18" charset="0"/>
                 <a:cs typeface="Tahoma" pitchFamily="34" charset="0"/>
               </a:rPr>
-              <a:t>Subject with state is name, </a:t>
-            </a:r>
-            <a:r>
-              <a:rPr lang="en-US" sz="1500" dirty="0" err="1" smtClean="0">
+              <a:t>Subject with state is </a:t>
+            </a:r>
+            <a:r>
+              <a:rPr lang="en-US" sz="1500" b="1" dirty="0" smtClean="0">
                 <a:solidFill>
                   <a:schemeClr val="tx1"/>
                 </a:solidFill>
@@ -16990,9 +17023,20 @@
                 <a:ea typeface="Cambria" panose="02040503050406030204" pitchFamily="18" charset="0"/>
                 <a:cs typeface="Tahoma" pitchFamily="34" charset="0"/>
               </a:rPr>
+              <a:t>name, </a:t>
+            </a:r>
+            <a:r>
+              <a:rPr lang="en-US" sz="1500" b="1" dirty="0" err="1" smtClean="0">
+                <a:solidFill>
+                  <a:schemeClr val="tx1"/>
+                </a:solidFill>
+                <a:latin typeface="Cambria" panose="02040503050406030204" pitchFamily="18" charset="0"/>
+                <a:ea typeface="Cambria" panose="02040503050406030204" pitchFamily="18" charset="0"/>
+                <a:cs typeface="Tahoma" pitchFamily="34" charset="0"/>
+              </a:rPr>
               <a:t>classId</a:t>
             </a:r>
-            <a:endParaRPr lang="en-US" sz="1500" dirty="0" smtClean="0">
+            <a:endParaRPr lang="en-US" sz="1500" b="1" dirty="0" smtClean="0">
               <a:solidFill>
                 <a:schemeClr val="tx1"/>
               </a:solidFill>
@@ -20297,8 +20341,12 @@
           </a:p>
           <a:p>
             <a:r>
-              <a:rPr lang="en-US" sz="2000" dirty="0"/>
-              <a:t>It </a:t>
+              <a:rPr lang="vi-VN" sz="2000" dirty="0"/>
+              <a:t>Nó</a:t>
+            </a:r>
+            <a:r>
+              <a:rPr lang="en-US" sz="2000" dirty="0" smtClean="0"/>
+              <a:t> </a:t>
             </a:r>
             <a:r>
               <a:rPr lang="vi-VN" sz="2000" dirty="0"/>
@@ -20322,26 +20370,42 @@
             </a:r>
             <a:r>
               <a:rPr lang="en-US" sz="2000" dirty="0"/>
-              <a:t>interface, thereby inheriting the abstract methods of the interface.</a:t>
-            </a:r>
-          </a:p>
-          <a:p>
-            <a:r>
-              <a:rPr lang="en-US" sz="2000" dirty="0"/>
-              <a:t>Writing an interface is similar to writing a class. But a class describes the attributes and behaviors of an object. </a:t>
-            </a:r>
-          </a:p>
-          <a:p>
-            <a:r>
-              <a:rPr lang="en-US" sz="2000" dirty="0"/>
-              <a:t>And an interface contains behaviors that a class implements.</a:t>
-            </a:r>
-          </a:p>
-          <a:p>
-            <a:r>
-              <a:rPr lang="en-US" sz="2000" dirty="0"/>
-              <a:t>Unless the class that implements the interface, all the methods of the interface need to be defined in the class.</a:t>
-            </a:r>
+              <a:t>interface</a:t>
+            </a:r>
+            <a:r>
+              <a:rPr lang="en-US" sz="2000" dirty="0" smtClean="0"/>
+              <a:t>,</a:t>
+            </a:r>
+            <a:r>
+              <a:rPr lang="vi-VN" sz="2000" dirty="0" smtClean="0"/>
+              <a:t> vì vậy thừa kế những abstract methods của interface</a:t>
+            </a:r>
+            <a:r>
+              <a:rPr lang="en-US" sz="2000" dirty="0" smtClean="0"/>
+              <a:t>.</a:t>
+            </a:r>
+            <a:endParaRPr lang="en-US" sz="2000" dirty="0"/>
+          </a:p>
+          <a:p>
+            <a:r>
+              <a:rPr lang="vi-VN" sz="2000" dirty="0" smtClean="0"/>
+              <a:t>Viết một interface tương tự viết một class, nhưng class thì mô tả thuộc tính và hành động của một object.</a:t>
+            </a:r>
+            <a:endParaRPr lang="en-US" sz="2000" dirty="0"/>
+          </a:p>
+          <a:p>
+            <a:r>
+              <a:rPr lang="vi-VN" sz="2000" dirty="0" smtClean="0"/>
+              <a:t>Một interface chứa các methods mà class implement.</a:t>
+            </a:r>
+            <a:endParaRPr lang="en-US" sz="2000" dirty="0"/>
+          </a:p>
+          <a:p>
+            <a:r>
+              <a:rPr lang="vi-VN" sz="2000" dirty="0" smtClean="0"/>
+              <a:t>Tất cả các methods của interface cần được định nghĩa trong class</a:t>
+            </a:r>
+            <a:endParaRPr lang="en-US" sz="2000" dirty="0"/>
           </a:p>
           <a:p>
             <a:endParaRPr lang="en-US" sz="2000" dirty="0"/>
@@ -21031,7 +21095,7 @@
           <p:cNvPr id="2" name="Title 1">
             <a:extLst>
               <a:ext uri="{FF2B5EF4-FFF2-40B4-BE49-F238E27FC236}">
-                <a16:creationId xmlns="" xmlns:a16="http://schemas.microsoft.com/office/drawing/2014/main" id="{E530CC21-29D4-472D-9D68-23D2D1B9A37D}"/>
+                <a16:creationId xmlns:a16="http://schemas.microsoft.com/office/drawing/2014/main" xmlns="" id="{E530CC21-29D4-472D-9D68-23D2D1B9A37D}"/>
               </a:ext>
             </a:extLst>
           </p:cNvPr>
@@ -21062,7 +21126,7 @@
           <p:cNvPr id="3" name="Text Placeholder 2">
             <a:extLst>
               <a:ext uri="{FF2B5EF4-FFF2-40B4-BE49-F238E27FC236}">
-                <a16:creationId xmlns="" xmlns:a16="http://schemas.microsoft.com/office/drawing/2014/main" id="{F4D91ACE-D78E-4D57-8152-2AA121AA2C48}"/>
+                <a16:creationId xmlns:a16="http://schemas.microsoft.com/office/drawing/2014/main" xmlns="" id="{F4D91ACE-D78E-4D57-8152-2AA121AA2C48}"/>
               </a:ext>
             </a:extLst>
           </p:cNvPr>
@@ -21138,7 +21202,7 @@
           <p:cNvPr id="4" name="Picture 3">
             <a:extLst>
               <a:ext uri="{FF2B5EF4-FFF2-40B4-BE49-F238E27FC236}">
-                <a16:creationId xmlns="" xmlns:a16="http://schemas.microsoft.com/office/drawing/2014/main" id="{487B6DCE-5629-4EF5-A7D6-59E4C4473FC2}"/>
+                <a16:creationId xmlns:a16="http://schemas.microsoft.com/office/drawing/2014/main" xmlns="" id="{487B6DCE-5629-4EF5-A7D6-59E4C4473FC2}"/>
               </a:ext>
             </a:extLst>
           </p:cNvPr>
@@ -22075,7 +22139,7 @@
           <p:cNvPr id="5" name="Picture 4">
             <a:extLst>
               <a:ext uri="{FF2B5EF4-FFF2-40B4-BE49-F238E27FC236}">
-                <a16:creationId xmlns="" xmlns:a16="http://schemas.microsoft.com/office/drawing/2014/main" id="{4B860FAB-A063-4AB0-9578-D0EC6D013366}"/>
+                <a16:creationId xmlns:a16="http://schemas.microsoft.com/office/drawing/2014/main" xmlns="" id="{4B860FAB-A063-4AB0-9578-D0EC6D013366}"/>
               </a:ext>
             </a:extLst>
           </p:cNvPr>
@@ -22402,13 +22466,8 @@
             <a:pPr lvl="1"/>
             <a:r>
               <a:rPr lang="vi-VN" dirty="0" smtClean="0"/>
-              <a:t>Tìm một khách hàng theo </a:t>
-            </a:r>
-            <a:r>
-              <a:rPr lang="vi-VN" dirty="0" smtClean="0"/>
-              <a:t>CMND (thực hiện theo hai cách dùng list và map)</a:t>
-            </a:r>
-            <a:endParaRPr lang="vi-VN" dirty="0" smtClean="0"/>
+              <a:t>Tìm một khách hàng theo CMND (thực hiện theo hai cách dùng list và map)</a:t>
+            </a:r>
           </a:p>
           <a:p>
             <a:pPr lvl="1"/>
@@ -23577,6 +23636,13 @@
   <p:clrMapOvr>
     <a:masterClrMapping/>
   </p:clrMapOvr>
+  <p:timing>
+    <p:tnLst>
+      <p:par>
+        <p:cTn id="1" dur="indefinite" restart="never" nodeType="tmRoot"/>
+      </p:par>
+    </p:tnLst>
+  </p:timing>
 </p:sld>
 </file>
 
@@ -23841,6 +23907,13 @@
   <p:clrMapOvr>
     <a:masterClrMapping/>
   </p:clrMapOvr>
+  <p:timing>
+    <p:tnLst>
+      <p:par>
+        <p:cTn id="1" dur="indefinite" restart="never" nodeType="tmRoot"/>
+      </p:par>
+    </p:tnLst>
+  </p:timing>
 </p:sld>
 </file>
 
@@ -24083,6 +24156,13 @@
   <p:clrMapOvr>
     <a:masterClrMapping/>
   </p:clrMapOvr>
+  <p:timing>
+    <p:tnLst>
+      <p:par>
+        <p:cTn id="1" dur="indefinite" restart="never" nodeType="tmRoot"/>
+      </p:par>
+    </p:tnLst>
+  </p:timing>
 </p:sld>
 </file>
 
@@ -24275,7 +24355,7 @@
           <p:cNvPr id="1026" name="Picture 2" descr="flow của khối lệnh finally trong java">
             <a:extLst>
               <a:ext uri="{FF2B5EF4-FFF2-40B4-BE49-F238E27FC236}">
-                <a16:creationId xmlns="" xmlns:a16="http://schemas.microsoft.com/office/drawing/2014/main" id="{EBD8C2B5-F65D-47DB-86DE-FDD2BDA65128}"/>
+                <a16:creationId xmlns:a16="http://schemas.microsoft.com/office/drawing/2014/main" xmlns="" id="{EBD8C2B5-F65D-47DB-86DE-FDD2BDA65128}"/>
               </a:ext>
             </a:extLst>
           </p:cNvPr>
@@ -24327,6 +24407,13 @@
   <p:clrMapOvr>
     <a:masterClrMapping/>
   </p:clrMapOvr>
+  <p:timing>
+    <p:tnLst>
+      <p:par>
+        <p:cTn id="1" dur="indefinite" restart="never" nodeType="tmRoot"/>
+      </p:par>
+    </p:tnLst>
+  </p:timing>
 </p:sld>
 </file>
 
@@ -24551,7 +24638,7 @@
           <p:cNvPr id="4" name="Picture 3">
             <a:extLst>
               <a:ext uri="{FF2B5EF4-FFF2-40B4-BE49-F238E27FC236}">
-                <a16:creationId xmlns="" xmlns:a16="http://schemas.microsoft.com/office/drawing/2014/main" id="{54047629-43E7-4834-949A-7DC6AAB2FE4E}"/>
+                <a16:creationId xmlns:a16="http://schemas.microsoft.com/office/drawing/2014/main" xmlns="" id="{54047629-43E7-4834-949A-7DC6AAB2FE4E}"/>
               </a:ext>
             </a:extLst>
           </p:cNvPr>
@@ -24586,6 +24673,13 @@
   <p:clrMapOvr>
     <a:masterClrMapping/>
   </p:clrMapOvr>
+  <p:timing>
+    <p:tnLst>
+      <p:par>
+        <p:cTn id="1" dur="indefinite" restart="never" nodeType="tmRoot"/>
+      </p:par>
+    </p:tnLst>
+  </p:timing>
 </p:sld>
 </file>
 
@@ -25013,6 +25107,13 @@
   <p:clrMapOvr>
     <a:masterClrMapping/>
   </p:clrMapOvr>
+  <p:timing>
+    <p:tnLst>
+      <p:par>
+        <p:cTn id="1" dur="indefinite" restart="never" nodeType="tmRoot"/>
+      </p:par>
+    </p:tnLst>
+  </p:timing>
 </p:sld>
 </file>
 
@@ -25112,6 +25213,13 @@
   <p:clrMapOvr>
     <a:masterClrMapping/>
   </p:clrMapOvr>
+  <p:timing>
+    <p:tnLst>
+      <p:par>
+        <p:cTn id="1" dur="indefinite" restart="never" nodeType="tmRoot"/>
+      </p:par>
+    </p:tnLst>
+  </p:timing>
 </p:sld>
 </file>
 
@@ -25567,6 +25675,13 @@
   <p:clrMapOvr>
     <a:masterClrMapping/>
   </p:clrMapOvr>
+  <p:timing>
+    <p:tnLst>
+      <p:par>
+        <p:cTn id="1" dur="indefinite" restart="never" nodeType="tmRoot"/>
+      </p:par>
+    </p:tnLst>
+  </p:timing>
 </p:sld>
 </file>
 
@@ -25679,6 +25794,13 @@
   <p:clrMapOvr>
     <a:masterClrMapping/>
   </p:clrMapOvr>
+  <p:timing>
+    <p:tnLst>
+      <p:par>
+        <p:cTn id="1" dur="indefinite" restart="never" nodeType="tmRoot"/>
+      </p:par>
+    </p:tnLst>
+  </p:timing>
 </p:sld>
 </file>
 
@@ -25715,7 +25837,7 @@
           <a:lstStyle/>
           <a:p>
             <a:r>
-              <a:rPr lang="vi-VN" sz="3200" b="1" dirty="0">
+              <a:rPr lang="vi-VN" sz="3600" b="1" dirty="0">
                 <a:cs typeface="Calibri" panose="020F0502020204030204" pitchFamily="34" charset="0"/>
               </a:rPr>
               <a:t>Cài đặt</a:t>
@@ -25739,119 +25861,38 @@
           <a:bodyPr/>
           <a:lstStyle/>
           <a:p>
-            <a:pPr lvl="1" fontAlgn="base"/>
-            <a:r>
-              <a:rPr lang="en-US" sz="1700" dirty="0"/>
-              <a:t>Update PATH:</a:t>
-            </a:r>
-            <a:endParaRPr lang="vi-VN" sz="1700" dirty="0"/>
-          </a:p>
-          <a:p>
-            <a:pPr lvl="2" fontAlgn="base"/>
-            <a:r>
-              <a:rPr lang="en-US" dirty="0">
-                <a:latin typeface="Cambria" panose="02040503050406030204" pitchFamily="18" charset="0"/>
-                <a:ea typeface="Cambria" panose="02040503050406030204" pitchFamily="18" charset="0"/>
-              </a:rPr>
-              <a:t>In System variables, find PATH </a:t>
-            </a:r>
-            <a:endParaRPr lang="vi-VN" dirty="0">
-              <a:latin typeface="Cambria" panose="02040503050406030204" pitchFamily="18" charset="0"/>
-              <a:ea typeface="Cambria" panose="02040503050406030204" pitchFamily="18" charset="0"/>
-            </a:endParaRPr>
-          </a:p>
-          <a:p>
-            <a:pPr lvl="2" fontAlgn="base"/>
-            <a:r>
-              <a:rPr lang="en-US" dirty="0">
-                <a:latin typeface="Cambria" panose="02040503050406030204" pitchFamily="18" charset="0"/>
-                <a:ea typeface="Cambria" panose="02040503050406030204" pitchFamily="18" charset="0"/>
-              </a:rPr>
-              <a:t>Add: </a:t>
-            </a:r>
-            <a:r>
-              <a:rPr lang="en-US" dirty="0">
-                <a:solidFill>
-                  <a:srgbClr val="FF0000"/>
-                </a:solidFill>
-                <a:latin typeface="Cambria" panose="02040503050406030204" pitchFamily="18" charset="0"/>
-                <a:ea typeface="Cambria" panose="02040503050406030204" pitchFamily="18" charset="0"/>
-              </a:rPr>
-              <a:t>%JAVA_HOME%\bin;</a:t>
-            </a:r>
-            <a:endParaRPr lang="vi-VN" dirty="0">
-              <a:solidFill>
-                <a:srgbClr val="FF0000"/>
-              </a:solidFill>
-              <a:latin typeface="Cambria" panose="02040503050406030204" pitchFamily="18" charset="0"/>
-              <a:ea typeface="Cambria" panose="02040503050406030204" pitchFamily="18" charset="0"/>
-            </a:endParaRPr>
-          </a:p>
-          <a:p>
-            <a:pPr lvl="1" fontAlgn="base"/>
-            <a:r>
-              <a:rPr lang="vi-VN" sz="1700" dirty="0"/>
-              <a:t>Mở cmd và gõ lệnh sau đẻe kiểm tra java được set up đúng</a:t>
-            </a:r>
-          </a:p>
-          <a:p>
-            <a:pPr lvl="2" fontAlgn="base"/>
-            <a:r>
-              <a:rPr lang="en-US" dirty="0">
-                <a:solidFill>
-                  <a:srgbClr val="FF0000"/>
-                </a:solidFill>
-                <a:latin typeface="Cambria" panose="02040503050406030204" pitchFamily="18" charset="0"/>
-                <a:ea typeface="Cambria" panose="02040503050406030204" pitchFamily="18" charset="0"/>
-              </a:rPr>
-              <a:t>java –version</a:t>
-            </a:r>
-          </a:p>
-          <a:p>
-            <a:r>
-              <a:rPr lang="en-US" b="1" dirty="0"/>
-              <a:t>Eclipse</a:t>
-            </a:r>
-            <a:r>
-              <a:rPr lang="en-US" dirty="0"/>
-              <a:t>:</a:t>
-            </a:r>
-          </a:p>
-          <a:p>
-            <a:pPr lvl="1"/>
-            <a:r>
-              <a:rPr lang="en-US" dirty="0"/>
-              <a:t>Download eclipse</a:t>
-            </a:r>
-          </a:p>
-          <a:p>
-            <a:pPr lvl="2"/>
-            <a:r>
-              <a:rPr lang="en-US" dirty="0">
-                <a:hlinkClick r:id="rId2"/>
-              </a:rPr>
-              <a:t>https://www.eclipse.org/downloads/packages/release/Mars/2</a:t>
-            </a:r>
-            <a:endParaRPr lang="en-US" dirty="0"/>
-          </a:p>
-          <a:p>
-            <a:pPr lvl="1"/>
-            <a:r>
-              <a:rPr lang="en-US" dirty="0"/>
-              <a:t>Download zip file, extract and open </a:t>
-            </a:r>
-            <a:r>
-              <a:rPr lang="en-US" dirty="0" smtClean="0"/>
-              <a:t>eclipse</a:t>
-            </a:r>
             <a:endParaRPr lang="en-US" dirty="0"/>
           </a:p>
         </p:txBody>
       </p:sp>
+      <p:pic>
+        <p:nvPicPr>
+          <p:cNvPr id="5" name="Picture 4"/>
+          <p:cNvPicPr>
+            <a:picLocks noChangeAspect="1"/>
+          </p:cNvPicPr>
+          <p:nvPr/>
+        </p:nvPicPr>
+        <p:blipFill>
+          <a:blip r:embed="rId2"/>
+          <a:stretch>
+            <a:fillRect/>
+          </a:stretch>
+        </p:blipFill>
+        <p:spPr>
+          <a:xfrm>
+            <a:off x="1066800" y="1132960"/>
+            <a:ext cx="6113318" cy="3735917"/>
+          </a:xfrm>
+          <a:prstGeom prst="rect">
+            <a:avLst/>
+          </a:prstGeom>
+        </p:spPr>
+      </p:pic>
     </p:spTree>
     <p:extLst>
       <p:ext uri="{BB962C8B-B14F-4D97-AF65-F5344CB8AC3E}">
-        <p14:creationId xmlns:p14="http://schemas.microsoft.com/office/powerpoint/2010/main" val="7916273"/>
+        <p14:creationId xmlns:p14="http://schemas.microsoft.com/office/powerpoint/2010/main" val="3200029327"/>
       </p:ext>
     </p:extLst>
   </p:cSld>
@@ -25901,7 +25942,7 @@
           <a:lstStyle/>
           <a:p>
             <a:r>
-              <a:rPr lang="vi-VN" sz="3600" b="1" dirty="0">
+              <a:rPr lang="vi-VN" sz="3200" b="1" dirty="0">
                 <a:cs typeface="Calibri" panose="020F0502020204030204" pitchFamily="34" charset="0"/>
               </a:rPr>
               <a:t>Cài đặt</a:t>
@@ -25925,38 +25966,119 @@
           <a:bodyPr/>
           <a:lstStyle/>
           <a:p>
+            <a:pPr lvl="1" fontAlgn="base"/>
+            <a:r>
+              <a:rPr lang="en-US" sz="1700" dirty="0"/>
+              <a:t>Update PATH:</a:t>
+            </a:r>
+            <a:endParaRPr lang="vi-VN" sz="1700" dirty="0"/>
+          </a:p>
+          <a:p>
+            <a:pPr lvl="2" fontAlgn="base"/>
+            <a:r>
+              <a:rPr lang="en-US" dirty="0">
+                <a:latin typeface="Cambria" panose="02040503050406030204" pitchFamily="18" charset="0"/>
+                <a:ea typeface="Cambria" panose="02040503050406030204" pitchFamily="18" charset="0"/>
+              </a:rPr>
+              <a:t>In System variables, find PATH </a:t>
+            </a:r>
+            <a:endParaRPr lang="vi-VN" dirty="0">
+              <a:latin typeface="Cambria" panose="02040503050406030204" pitchFamily="18" charset="0"/>
+              <a:ea typeface="Cambria" panose="02040503050406030204" pitchFamily="18" charset="0"/>
+            </a:endParaRPr>
+          </a:p>
+          <a:p>
+            <a:pPr lvl="2" fontAlgn="base"/>
+            <a:r>
+              <a:rPr lang="en-US" dirty="0">
+                <a:latin typeface="Cambria" panose="02040503050406030204" pitchFamily="18" charset="0"/>
+                <a:ea typeface="Cambria" panose="02040503050406030204" pitchFamily="18" charset="0"/>
+              </a:rPr>
+              <a:t>Add: </a:t>
+            </a:r>
+            <a:r>
+              <a:rPr lang="en-US" dirty="0">
+                <a:solidFill>
+                  <a:srgbClr val="FF0000"/>
+                </a:solidFill>
+                <a:latin typeface="Cambria" panose="02040503050406030204" pitchFamily="18" charset="0"/>
+                <a:ea typeface="Cambria" panose="02040503050406030204" pitchFamily="18" charset="0"/>
+              </a:rPr>
+              <a:t>%JAVA_HOME%\bin;</a:t>
+            </a:r>
+            <a:endParaRPr lang="vi-VN" dirty="0">
+              <a:solidFill>
+                <a:srgbClr val="FF0000"/>
+              </a:solidFill>
+              <a:latin typeface="Cambria" panose="02040503050406030204" pitchFamily="18" charset="0"/>
+              <a:ea typeface="Cambria" panose="02040503050406030204" pitchFamily="18" charset="0"/>
+            </a:endParaRPr>
+          </a:p>
+          <a:p>
+            <a:pPr lvl="1" fontAlgn="base"/>
+            <a:r>
+              <a:rPr lang="vi-VN" sz="1700" dirty="0"/>
+              <a:t>Mở cmd và gõ lệnh sau đẻe kiểm tra java được set up đúng</a:t>
+            </a:r>
+          </a:p>
+          <a:p>
+            <a:pPr lvl="2" fontAlgn="base"/>
+            <a:r>
+              <a:rPr lang="en-US" dirty="0">
+                <a:solidFill>
+                  <a:srgbClr val="FF0000"/>
+                </a:solidFill>
+                <a:latin typeface="Cambria" panose="02040503050406030204" pitchFamily="18" charset="0"/>
+                <a:ea typeface="Cambria" panose="02040503050406030204" pitchFamily="18" charset="0"/>
+              </a:rPr>
+              <a:t>java –version</a:t>
+            </a:r>
+          </a:p>
+          <a:p>
+            <a:r>
+              <a:rPr lang="en-US" b="1" dirty="0"/>
+              <a:t>Eclipse</a:t>
+            </a:r>
+            <a:r>
+              <a:rPr lang="en-US" dirty="0"/>
+              <a:t>:</a:t>
+            </a:r>
+          </a:p>
+          <a:p>
+            <a:pPr lvl="1"/>
+            <a:r>
+              <a:rPr lang="en-US" dirty="0"/>
+              <a:t>Download eclipse</a:t>
+            </a:r>
+          </a:p>
+          <a:p>
+            <a:pPr lvl="2"/>
+            <a:r>
+              <a:rPr lang="en-US" dirty="0">
+                <a:hlinkClick r:id="rId2"/>
+              </a:rPr>
+              <a:t>https://www.eclipse.org/downloads/packages/release/Mars/2</a:t>
+            </a:r>
+            <a:endParaRPr lang="en-US" dirty="0"/>
+          </a:p>
+          <a:p>
+            <a:pPr lvl="1"/>
+            <a:r>
+              <a:rPr lang="en-US" dirty="0"/>
+              <a:t>Download zip file, extract and open </a:t>
+            </a:r>
+            <a:r>
+              <a:rPr lang="en-US" dirty="0" smtClean="0"/>
+              <a:t>eclipse</a:t>
+            </a:r>
             <a:endParaRPr lang="en-US" dirty="0"/>
           </a:p>
         </p:txBody>
       </p:sp>
-      <p:pic>
-        <p:nvPicPr>
-          <p:cNvPr id="5" name="Picture 4"/>
-          <p:cNvPicPr>
-            <a:picLocks noChangeAspect="1"/>
-          </p:cNvPicPr>
-          <p:nvPr/>
-        </p:nvPicPr>
-        <p:blipFill>
-          <a:blip r:embed="rId2"/>
-          <a:stretch>
-            <a:fillRect/>
-          </a:stretch>
-        </p:blipFill>
-        <p:spPr>
-          <a:xfrm>
-            <a:off x="1066800" y="1132960"/>
-            <a:ext cx="6113318" cy="3735917"/>
-          </a:xfrm>
-          <a:prstGeom prst="rect">
-            <a:avLst/>
-          </a:prstGeom>
-        </p:spPr>
-      </p:pic>
     </p:spTree>
     <p:extLst>
       <p:ext uri="{BB962C8B-B14F-4D97-AF65-F5344CB8AC3E}">
-        <p14:creationId xmlns:p14="http://schemas.microsoft.com/office/powerpoint/2010/main" val="3200029327"/>
+        <p14:creationId xmlns:p14="http://schemas.microsoft.com/office/powerpoint/2010/main" val="7916273"/>
       </p:ext>
     </p:extLst>
   </p:cSld>

--- a/docs/JavaCore-vi-v2.pptx
+++ b/docs/JavaCore-vi-v2.pptx
@@ -14,8 +14,8 @@
     <p:sldId id="263" r:id="rId5"/>
     <p:sldId id="304" r:id="rId6"/>
     <p:sldId id="264" r:id="rId7"/>
-    <p:sldId id="266" r:id="rId8"/>
-    <p:sldId id="265" r:id="rId9"/>
+    <p:sldId id="265" r:id="rId8"/>
+    <p:sldId id="266" r:id="rId9"/>
     <p:sldId id="268" r:id="rId10"/>
     <p:sldId id="269" r:id="rId11"/>
     <p:sldId id="290" r:id="rId12"/>
@@ -74,23 +74,23 @@
   <p:notesSz cx="6858000" cy="9144000"/>
   <p:embeddedFontLst>
     <p:embeddedFont>
-      <p:font typeface="Tahoma" panose="020B0604030504040204" pitchFamily="34" charset="0"/>
+      <p:font typeface="Cambria" panose="02040503050406030204" pitchFamily="18" charset="0"/>
       <p:regular r:id="rId64"/>
       <p:bold r:id="rId65"/>
-    </p:embeddedFont>
-    <p:embeddedFont>
-      <p:font typeface="Cambria" panose="02040503050406030204" pitchFamily="18" charset="0"/>
-      <p:regular r:id="rId66"/>
-      <p:bold r:id="rId67"/>
-      <p:italic r:id="rId68"/>
-      <p:boldItalic r:id="rId69"/>
+      <p:italic r:id="rId66"/>
+      <p:boldItalic r:id="rId67"/>
     </p:embeddedFont>
     <p:embeddedFont>
       <p:font typeface="Calibri" panose="020F0502020204030204" pitchFamily="34" charset="0"/>
-      <p:regular r:id="rId70"/>
-      <p:bold r:id="rId71"/>
-      <p:italic r:id="rId72"/>
-      <p:boldItalic r:id="rId73"/>
+      <p:regular r:id="rId68"/>
+      <p:bold r:id="rId69"/>
+      <p:italic r:id="rId70"/>
+      <p:boldItalic r:id="rId71"/>
+    </p:embeddedFont>
+    <p:embeddedFont>
+      <p:font typeface="Tahoma" panose="020B0604030504040204" pitchFamily="34" charset="0"/>
+      <p:regular r:id="rId72"/>
+      <p:bold r:id="rId73"/>
     </p:embeddedFont>
   </p:embeddedFontLst>
   <p:defaultTextStyle>
@@ -17341,7 +17341,25 @@
                 </a:solidFill>
                 <a:cs typeface="Arial" pitchFamily="34" charset="0"/>
               </a:rPr>
-              <a:t>Build a program to enter 5 employee for the company then show the info to console. </a:t>
+              <a:t>Build a program to enter </a:t>
+            </a:r>
+            <a:r>
+              <a:rPr lang="en-US" sz="1800" dirty="0" smtClean="0">
+                <a:solidFill>
+                  <a:schemeClr val="tx1"/>
+                </a:solidFill>
+                <a:cs typeface="Arial" pitchFamily="34" charset="0"/>
+              </a:rPr>
+              <a:t>employee </a:t>
+            </a:r>
+            <a:r>
+              <a:rPr lang="en-US" sz="1800" dirty="0">
+                <a:solidFill>
+                  <a:schemeClr val="tx1"/>
+                </a:solidFill>
+                <a:cs typeface="Arial" pitchFamily="34" charset="0"/>
+              </a:rPr>
+              <a:t>for the company then show the info to console. </a:t>
             </a:r>
           </a:p>
           <a:p>
@@ -21095,7 +21113,7 @@
           <p:cNvPr id="2" name="Title 1">
             <a:extLst>
               <a:ext uri="{FF2B5EF4-FFF2-40B4-BE49-F238E27FC236}">
-                <a16:creationId xmlns:a16="http://schemas.microsoft.com/office/drawing/2014/main" xmlns="" id="{E530CC21-29D4-472D-9D68-23D2D1B9A37D}"/>
+                <a16:creationId xmlns="" xmlns:a16="http://schemas.microsoft.com/office/drawing/2014/main" id="{E530CC21-29D4-472D-9D68-23D2D1B9A37D}"/>
               </a:ext>
             </a:extLst>
           </p:cNvPr>
@@ -21126,7 +21144,7 @@
           <p:cNvPr id="3" name="Text Placeholder 2">
             <a:extLst>
               <a:ext uri="{FF2B5EF4-FFF2-40B4-BE49-F238E27FC236}">
-                <a16:creationId xmlns:a16="http://schemas.microsoft.com/office/drawing/2014/main" xmlns="" id="{F4D91ACE-D78E-4D57-8152-2AA121AA2C48}"/>
+                <a16:creationId xmlns="" xmlns:a16="http://schemas.microsoft.com/office/drawing/2014/main" id="{F4D91ACE-D78E-4D57-8152-2AA121AA2C48}"/>
               </a:ext>
             </a:extLst>
           </p:cNvPr>
@@ -21202,7 +21220,7 @@
           <p:cNvPr id="4" name="Picture 3">
             <a:extLst>
               <a:ext uri="{FF2B5EF4-FFF2-40B4-BE49-F238E27FC236}">
-                <a16:creationId xmlns:a16="http://schemas.microsoft.com/office/drawing/2014/main" xmlns="" id="{487B6DCE-5629-4EF5-A7D6-59E4C4473FC2}"/>
+                <a16:creationId xmlns="" xmlns:a16="http://schemas.microsoft.com/office/drawing/2014/main" id="{487B6DCE-5629-4EF5-A7D6-59E4C4473FC2}"/>
               </a:ext>
             </a:extLst>
           </p:cNvPr>
@@ -22139,7 +22157,7 @@
           <p:cNvPr id="5" name="Picture 4">
             <a:extLst>
               <a:ext uri="{FF2B5EF4-FFF2-40B4-BE49-F238E27FC236}">
-                <a16:creationId xmlns:a16="http://schemas.microsoft.com/office/drawing/2014/main" xmlns="" id="{4B860FAB-A063-4AB0-9578-D0EC6D013366}"/>
+                <a16:creationId xmlns="" xmlns:a16="http://schemas.microsoft.com/office/drawing/2014/main" id="{4B860FAB-A063-4AB0-9578-D0EC6D013366}"/>
               </a:ext>
             </a:extLst>
           </p:cNvPr>
@@ -24355,7 +24373,7 @@
           <p:cNvPr id="1026" name="Picture 2" descr="flow của khối lệnh finally trong java">
             <a:extLst>
               <a:ext uri="{FF2B5EF4-FFF2-40B4-BE49-F238E27FC236}">
-                <a16:creationId xmlns:a16="http://schemas.microsoft.com/office/drawing/2014/main" xmlns="" id="{EBD8C2B5-F65D-47DB-86DE-FDD2BDA65128}"/>
+                <a16:creationId xmlns="" xmlns:a16="http://schemas.microsoft.com/office/drawing/2014/main" id="{EBD8C2B5-F65D-47DB-86DE-FDD2BDA65128}"/>
               </a:ext>
             </a:extLst>
           </p:cNvPr>
@@ -24638,7 +24656,7 @@
           <p:cNvPr id="4" name="Picture 3">
             <a:extLst>
               <a:ext uri="{FF2B5EF4-FFF2-40B4-BE49-F238E27FC236}">
-                <a16:creationId xmlns:a16="http://schemas.microsoft.com/office/drawing/2014/main" xmlns="" id="{54047629-43E7-4834-949A-7DC6AAB2FE4E}"/>
+                <a16:creationId xmlns="" xmlns:a16="http://schemas.microsoft.com/office/drawing/2014/main" id="{54047629-43E7-4834-949A-7DC6AAB2FE4E}"/>
               </a:ext>
             </a:extLst>
           </p:cNvPr>
@@ -25837,7 +25855,7 @@
           <a:lstStyle/>
           <a:p>
             <a:r>
-              <a:rPr lang="vi-VN" sz="3600" b="1" dirty="0">
+              <a:rPr lang="vi-VN" sz="3200" b="1" dirty="0">
                 <a:cs typeface="Calibri" panose="020F0502020204030204" pitchFamily="34" charset="0"/>
               </a:rPr>
               <a:t>Cài đặt</a:t>
@@ -25861,38 +25879,119 @@
           <a:bodyPr/>
           <a:lstStyle/>
           <a:p>
+            <a:pPr lvl="1" fontAlgn="base"/>
+            <a:r>
+              <a:rPr lang="en-US" sz="1700" dirty="0"/>
+              <a:t>Update PATH:</a:t>
+            </a:r>
+            <a:endParaRPr lang="vi-VN" sz="1700" dirty="0"/>
+          </a:p>
+          <a:p>
+            <a:pPr lvl="2" fontAlgn="base"/>
+            <a:r>
+              <a:rPr lang="en-US" dirty="0">
+                <a:latin typeface="Cambria" panose="02040503050406030204" pitchFamily="18" charset="0"/>
+                <a:ea typeface="Cambria" panose="02040503050406030204" pitchFamily="18" charset="0"/>
+              </a:rPr>
+              <a:t>In System variables, find PATH </a:t>
+            </a:r>
+            <a:endParaRPr lang="vi-VN" dirty="0">
+              <a:latin typeface="Cambria" panose="02040503050406030204" pitchFamily="18" charset="0"/>
+              <a:ea typeface="Cambria" panose="02040503050406030204" pitchFamily="18" charset="0"/>
+            </a:endParaRPr>
+          </a:p>
+          <a:p>
+            <a:pPr lvl="2" fontAlgn="base"/>
+            <a:r>
+              <a:rPr lang="en-US" dirty="0">
+                <a:latin typeface="Cambria" panose="02040503050406030204" pitchFamily="18" charset="0"/>
+                <a:ea typeface="Cambria" panose="02040503050406030204" pitchFamily="18" charset="0"/>
+              </a:rPr>
+              <a:t>Add: </a:t>
+            </a:r>
+            <a:r>
+              <a:rPr lang="en-US" dirty="0">
+                <a:solidFill>
+                  <a:srgbClr val="FF0000"/>
+                </a:solidFill>
+                <a:latin typeface="Cambria" panose="02040503050406030204" pitchFamily="18" charset="0"/>
+                <a:ea typeface="Cambria" panose="02040503050406030204" pitchFamily="18" charset="0"/>
+              </a:rPr>
+              <a:t>%JAVA_HOME%\bin;</a:t>
+            </a:r>
+            <a:endParaRPr lang="vi-VN" dirty="0">
+              <a:solidFill>
+                <a:srgbClr val="FF0000"/>
+              </a:solidFill>
+              <a:latin typeface="Cambria" panose="02040503050406030204" pitchFamily="18" charset="0"/>
+              <a:ea typeface="Cambria" panose="02040503050406030204" pitchFamily="18" charset="0"/>
+            </a:endParaRPr>
+          </a:p>
+          <a:p>
+            <a:pPr lvl="1" fontAlgn="base"/>
+            <a:r>
+              <a:rPr lang="vi-VN" sz="1700" dirty="0"/>
+              <a:t>Mở cmd và gõ lệnh sau đẻe kiểm tra java được set up đúng</a:t>
+            </a:r>
+          </a:p>
+          <a:p>
+            <a:pPr lvl="2" fontAlgn="base"/>
+            <a:r>
+              <a:rPr lang="en-US" dirty="0">
+                <a:solidFill>
+                  <a:srgbClr val="FF0000"/>
+                </a:solidFill>
+                <a:latin typeface="Cambria" panose="02040503050406030204" pitchFamily="18" charset="0"/>
+                <a:ea typeface="Cambria" panose="02040503050406030204" pitchFamily="18" charset="0"/>
+              </a:rPr>
+              <a:t>java –version</a:t>
+            </a:r>
+          </a:p>
+          <a:p>
+            <a:r>
+              <a:rPr lang="en-US" b="1" dirty="0"/>
+              <a:t>Eclipse</a:t>
+            </a:r>
+            <a:r>
+              <a:rPr lang="en-US" dirty="0"/>
+              <a:t>:</a:t>
+            </a:r>
+          </a:p>
+          <a:p>
+            <a:pPr lvl="1"/>
+            <a:r>
+              <a:rPr lang="en-US" dirty="0"/>
+              <a:t>Download eclipse</a:t>
+            </a:r>
+          </a:p>
+          <a:p>
+            <a:pPr lvl="2"/>
+            <a:r>
+              <a:rPr lang="en-US" dirty="0">
+                <a:hlinkClick r:id="rId2"/>
+              </a:rPr>
+              <a:t>https://www.eclipse.org/downloads/packages/release/Mars/2</a:t>
+            </a:r>
+            <a:endParaRPr lang="en-US" dirty="0"/>
+          </a:p>
+          <a:p>
+            <a:pPr lvl="1"/>
+            <a:r>
+              <a:rPr lang="en-US" dirty="0"/>
+              <a:t>Download zip file, extract and open </a:t>
+            </a:r>
+            <a:r>
+              <a:rPr lang="en-US" dirty="0" smtClean="0"/>
+              <a:t>eclipse</a:t>
+            </a:r>
             <a:endParaRPr lang="en-US" dirty="0"/>
           </a:p>
         </p:txBody>
       </p:sp>
-      <p:pic>
-        <p:nvPicPr>
-          <p:cNvPr id="5" name="Picture 4"/>
-          <p:cNvPicPr>
-            <a:picLocks noChangeAspect="1"/>
-          </p:cNvPicPr>
-          <p:nvPr/>
-        </p:nvPicPr>
-        <p:blipFill>
-          <a:blip r:embed="rId2"/>
-          <a:stretch>
-            <a:fillRect/>
-          </a:stretch>
-        </p:blipFill>
-        <p:spPr>
-          <a:xfrm>
-            <a:off x="1066800" y="1132960"/>
-            <a:ext cx="6113318" cy="3735917"/>
-          </a:xfrm>
-          <a:prstGeom prst="rect">
-            <a:avLst/>
-          </a:prstGeom>
-        </p:spPr>
-      </p:pic>
     </p:spTree>
     <p:extLst>
       <p:ext uri="{BB962C8B-B14F-4D97-AF65-F5344CB8AC3E}">
-        <p14:creationId xmlns:p14="http://schemas.microsoft.com/office/powerpoint/2010/main" val="3200029327"/>
+        <p14:creationId xmlns:p14="http://schemas.microsoft.com/office/powerpoint/2010/main" val="7916273"/>
       </p:ext>
     </p:extLst>
   </p:cSld>
@@ -25942,7 +26041,7 @@
           <a:lstStyle/>
           <a:p>
             <a:r>
-              <a:rPr lang="vi-VN" sz="3200" b="1" dirty="0">
+              <a:rPr lang="vi-VN" sz="3600" b="1" dirty="0">
                 <a:cs typeface="Calibri" panose="020F0502020204030204" pitchFamily="34" charset="0"/>
               </a:rPr>
               <a:t>Cài đặt</a:t>
@@ -25966,119 +26065,38 @@
           <a:bodyPr/>
           <a:lstStyle/>
           <a:p>
-            <a:pPr lvl="1" fontAlgn="base"/>
-            <a:r>
-              <a:rPr lang="en-US" sz="1700" dirty="0"/>
-              <a:t>Update PATH:</a:t>
-            </a:r>
-            <a:endParaRPr lang="vi-VN" sz="1700" dirty="0"/>
-          </a:p>
-          <a:p>
-            <a:pPr lvl="2" fontAlgn="base"/>
-            <a:r>
-              <a:rPr lang="en-US" dirty="0">
-                <a:latin typeface="Cambria" panose="02040503050406030204" pitchFamily="18" charset="0"/>
-                <a:ea typeface="Cambria" panose="02040503050406030204" pitchFamily="18" charset="0"/>
-              </a:rPr>
-              <a:t>In System variables, find PATH </a:t>
-            </a:r>
-            <a:endParaRPr lang="vi-VN" dirty="0">
-              <a:latin typeface="Cambria" panose="02040503050406030204" pitchFamily="18" charset="0"/>
-              <a:ea typeface="Cambria" panose="02040503050406030204" pitchFamily="18" charset="0"/>
-            </a:endParaRPr>
-          </a:p>
-          <a:p>
-            <a:pPr lvl="2" fontAlgn="base"/>
-            <a:r>
-              <a:rPr lang="en-US" dirty="0">
-                <a:latin typeface="Cambria" panose="02040503050406030204" pitchFamily="18" charset="0"/>
-                <a:ea typeface="Cambria" panose="02040503050406030204" pitchFamily="18" charset="0"/>
-              </a:rPr>
-              <a:t>Add: </a:t>
-            </a:r>
-            <a:r>
-              <a:rPr lang="en-US" dirty="0">
-                <a:solidFill>
-                  <a:srgbClr val="FF0000"/>
-                </a:solidFill>
-                <a:latin typeface="Cambria" panose="02040503050406030204" pitchFamily="18" charset="0"/>
-                <a:ea typeface="Cambria" panose="02040503050406030204" pitchFamily="18" charset="0"/>
-              </a:rPr>
-              <a:t>%JAVA_HOME%\bin;</a:t>
-            </a:r>
-            <a:endParaRPr lang="vi-VN" dirty="0">
-              <a:solidFill>
-                <a:srgbClr val="FF0000"/>
-              </a:solidFill>
-              <a:latin typeface="Cambria" panose="02040503050406030204" pitchFamily="18" charset="0"/>
-              <a:ea typeface="Cambria" panose="02040503050406030204" pitchFamily="18" charset="0"/>
-            </a:endParaRPr>
-          </a:p>
-          <a:p>
-            <a:pPr lvl="1" fontAlgn="base"/>
-            <a:r>
-              <a:rPr lang="vi-VN" sz="1700" dirty="0"/>
-              <a:t>Mở cmd và gõ lệnh sau đẻe kiểm tra java được set up đúng</a:t>
-            </a:r>
-          </a:p>
-          <a:p>
-            <a:pPr lvl="2" fontAlgn="base"/>
-            <a:r>
-              <a:rPr lang="en-US" dirty="0">
-                <a:solidFill>
-                  <a:srgbClr val="FF0000"/>
-                </a:solidFill>
-                <a:latin typeface="Cambria" panose="02040503050406030204" pitchFamily="18" charset="0"/>
-                <a:ea typeface="Cambria" panose="02040503050406030204" pitchFamily="18" charset="0"/>
-              </a:rPr>
-              <a:t>java –version</a:t>
-            </a:r>
-          </a:p>
-          <a:p>
-            <a:r>
-              <a:rPr lang="en-US" b="1" dirty="0"/>
-              <a:t>Eclipse</a:t>
-            </a:r>
-            <a:r>
-              <a:rPr lang="en-US" dirty="0"/>
-              <a:t>:</a:t>
-            </a:r>
-          </a:p>
-          <a:p>
-            <a:pPr lvl="1"/>
-            <a:r>
-              <a:rPr lang="en-US" dirty="0"/>
-              <a:t>Download eclipse</a:t>
-            </a:r>
-          </a:p>
-          <a:p>
-            <a:pPr lvl="2"/>
-            <a:r>
-              <a:rPr lang="en-US" dirty="0">
-                <a:hlinkClick r:id="rId2"/>
-              </a:rPr>
-              <a:t>https://www.eclipse.org/downloads/packages/release/Mars/2</a:t>
-            </a:r>
-            <a:endParaRPr lang="en-US" dirty="0"/>
-          </a:p>
-          <a:p>
-            <a:pPr lvl="1"/>
-            <a:r>
-              <a:rPr lang="en-US" dirty="0"/>
-              <a:t>Download zip file, extract and open </a:t>
-            </a:r>
-            <a:r>
-              <a:rPr lang="en-US" dirty="0" smtClean="0"/>
-              <a:t>eclipse</a:t>
-            </a:r>
             <a:endParaRPr lang="en-US" dirty="0"/>
           </a:p>
         </p:txBody>
       </p:sp>
+      <p:pic>
+        <p:nvPicPr>
+          <p:cNvPr id="5" name="Picture 4"/>
+          <p:cNvPicPr>
+            <a:picLocks noChangeAspect="1"/>
+          </p:cNvPicPr>
+          <p:nvPr/>
+        </p:nvPicPr>
+        <p:blipFill>
+          <a:blip r:embed="rId2"/>
+          <a:stretch>
+            <a:fillRect/>
+          </a:stretch>
+        </p:blipFill>
+        <p:spPr>
+          <a:xfrm>
+            <a:off x="1066800" y="1132960"/>
+            <a:ext cx="6113318" cy="3735917"/>
+          </a:xfrm>
+          <a:prstGeom prst="rect">
+            <a:avLst/>
+          </a:prstGeom>
+        </p:spPr>
+      </p:pic>
     </p:spTree>
     <p:extLst>
       <p:ext uri="{BB962C8B-B14F-4D97-AF65-F5344CB8AC3E}">
-        <p14:creationId xmlns:p14="http://schemas.microsoft.com/office/powerpoint/2010/main" val="7916273"/>
+        <p14:creationId xmlns:p14="http://schemas.microsoft.com/office/powerpoint/2010/main" val="3200029327"/>
       </p:ext>
     </p:extLst>
   </p:cSld>
